--- a/Poster Final/Poster_celia_V5.pptx
+++ b/Poster Final/Poster_celia_V5.pptx
@@ -7305,48 +7305,39 @@
                       <m:t>=</m:t>
                     </m:r>
                     <m:r>
-                      <m:rPr>
-                        <m:sty m:val="p"/>
-                      </m:rPr>
-                      <a:rPr lang="fr-FR" sz="2400">
+                      <a:rPr lang="fr-FR" sz="2400" i="1">
                         <a:latin typeface="Cambria Math" panose="02040503050406030204" pitchFamily="18" charset="0"/>
                       </a:rPr>
-                      <m:t>max</m:t>
+                      <m:t>𝑚𝑎𝑥</m:t>
                     </m:r>
                     <m:d>
                       <m:dPr>
                         <m:begChr m:val="{"/>
                         <m:endChr m:val="}"/>
                         <m:ctrlPr>
-                          <a:rPr lang="fr-FR" sz="2400">
+                          <a:rPr lang="fr-FR" sz="2400" i="1">
                             <a:latin typeface="Cambria Math" panose="02040503050406030204" pitchFamily="18" charset="0"/>
                           </a:rPr>
                         </m:ctrlPr>
                       </m:dPr>
                       <m:e>
                         <m:r>
-                          <m:rPr>
-                            <m:sty m:val="p"/>
-                          </m:rPr>
-                          <a:rPr lang="fr-FR" sz="2400">
-                            <a:latin typeface="Cambria Math" panose="02040503050406030204" pitchFamily="18" charset="0"/>
-                          </a:rPr>
-                          <m:t>i</m:t>
-                        </m:r>
-                        <m:r>
                           <a:rPr lang="fr-FR" sz="2400" i="1">
                             <a:latin typeface="Cambria Math" panose="02040503050406030204" pitchFamily="18" charset="0"/>
                           </a:rPr>
+                          <m:t>𝑖</m:t>
+                        </m:r>
+                        <m:r>
+                          <a:rPr lang="fr-FR" sz="2400" i="1">
+                            <a:latin typeface="Cambria Math" panose="02040503050406030204" pitchFamily="18" charset="0"/>
+                          </a:rPr>
                           <m:t> </m:t>
                         </m:r>
                         <m:r>
-                          <m:rPr>
-                            <m:sty m:val="p"/>
-                          </m:rPr>
                           <a:rPr lang="el-GR" sz="2400" i="1">
                             <a:latin typeface="Cambria Math" panose="02040503050406030204" pitchFamily="18" charset="0"/>
                           </a:rPr>
-                          <m:t>ϵ</m:t>
+                          <m:t>𝜖</m:t>
                         </m:r>
                         <m:r>
                           <a:rPr lang="fr-FR" sz="2400" i="1">
@@ -7366,36 +7357,30 @@
                           </m:dPr>
                           <m:e>
                             <m:r>
-                              <a:rPr lang="fr-FR" sz="2400">
+                              <a:rPr lang="fr-FR" sz="2400" i="1">
                                 <a:latin typeface="Cambria Math" panose="02040503050406030204" pitchFamily="18" charset="0"/>
                               </a:rPr>
                               <m:t>0,…,</m:t>
                             </m:r>
                             <m:r>
-                              <m:rPr>
-                                <m:sty m:val="p"/>
-                              </m:rPr>
-                              <a:rPr lang="fr-FR" sz="2400">
+                              <a:rPr lang="fr-FR" sz="2400" i="1">
                                 <a:latin typeface="Cambria Math" panose="02040503050406030204" pitchFamily="18" charset="0"/>
                               </a:rPr>
-                              <m:t>m</m:t>
+                              <m:t>𝑚</m:t>
                             </m:r>
                           </m:e>
                         </m:d>
                         <m:r>
-                          <a:rPr lang="fr-FR" sz="2400">
+                          <a:rPr lang="fr-FR" sz="2400" i="1">
                             <a:latin typeface="Cambria Math" panose="02040503050406030204" pitchFamily="18" charset="0"/>
                           </a:rPr>
                           <m:t>:</m:t>
                         </m:r>
                         <m:r>
-                          <m:rPr>
-                            <m:sty m:val="p"/>
-                          </m:rPr>
-                          <a:rPr lang="fr-FR" sz="2400">
-                            <a:latin typeface="Cambria Math" panose="02040503050406030204" pitchFamily="18" charset="0"/>
-                          </a:rPr>
-                          <m:t>i</m:t>
+                          <a:rPr lang="fr-FR" sz="2400" i="1">
+                            <a:latin typeface="Cambria Math" panose="02040503050406030204" pitchFamily="18" charset="0"/>
+                          </a:rPr>
+                          <m:t>𝑖</m:t>
                         </m:r>
                         <m:sSub>
                           <m:sSubPr>
@@ -7472,58 +7457,46 @@
                           <m:t>𝑗</m:t>
                         </m:r>
                         <m:r>
-                          <m:rPr>
-                            <m:sty m:val="p"/>
-                          </m:rPr>
                           <a:rPr lang="el-GR" sz="2400" i="1">
                             <a:latin typeface="Cambria Math" panose="02040503050406030204" pitchFamily="18" charset="0"/>
                           </a:rPr>
-                          <m:t>α</m:t>
-                        </m:r>
-                        <m:r>
-                          <a:rPr lang="fr-FR" sz="2400">
+                          <m:t>𝛼</m:t>
+                        </m:r>
+                        <m:r>
+                          <a:rPr lang="fr-FR" sz="2400" i="1">
                             <a:latin typeface="Cambria Math" panose="02040503050406030204" pitchFamily="18" charset="0"/>
                           </a:rPr>
                           <m:t>, </m:t>
                         </m:r>
                         <m:r>
-                          <m:rPr>
-                            <m:sty m:val="p"/>
-                          </m:rPr>
-                          <a:rPr lang="fr-FR" sz="2400">
-                            <a:latin typeface="Cambria Math" panose="02040503050406030204" pitchFamily="18" charset="0"/>
-                          </a:rPr>
-                          <m:t>for</m:t>
-                        </m:r>
-                        <m:r>
-                          <a:rPr lang="fr-FR" sz="2400">
+                          <a:rPr lang="fr-FR" sz="2400" i="1">
+                            <a:latin typeface="Cambria Math" panose="02040503050406030204" pitchFamily="18" charset="0"/>
+                          </a:rPr>
+                          <m:t>𝑓𝑜𝑟</m:t>
+                        </m:r>
+                        <m:r>
+                          <a:rPr lang="fr-FR" sz="2400" i="1">
                             <a:latin typeface="Cambria Math" panose="02040503050406030204" pitchFamily="18" charset="0"/>
                           </a:rPr>
                           <m:t> </m:t>
                         </m:r>
                         <m:r>
-                          <m:rPr>
-                            <m:sty m:val="p"/>
-                          </m:rPr>
-                          <a:rPr lang="fr-FR" sz="2400">
-                            <a:latin typeface="Cambria Math" panose="02040503050406030204" pitchFamily="18" charset="0"/>
-                          </a:rPr>
-                          <m:t>j</m:t>
-                        </m:r>
-                        <m:r>
-                          <a:rPr lang="fr-FR" sz="2400">
+                          <a:rPr lang="fr-FR" sz="2400" i="1">
+                            <a:latin typeface="Cambria Math" panose="02040503050406030204" pitchFamily="18" charset="0"/>
+                          </a:rPr>
+                          <m:t>𝑗</m:t>
+                        </m:r>
+                        <m:r>
+                          <a:rPr lang="fr-FR" sz="2400" i="1">
                             <a:latin typeface="Cambria Math" panose="02040503050406030204" pitchFamily="18" charset="0"/>
                           </a:rPr>
                           <m:t>=1,…,</m:t>
                         </m:r>
                         <m:r>
-                          <m:rPr>
-                            <m:sty m:val="p"/>
-                          </m:rPr>
-                          <a:rPr lang="fr-FR" sz="2400">
-                            <a:latin typeface="Cambria Math" panose="02040503050406030204" pitchFamily="18" charset="0"/>
-                          </a:rPr>
-                          <m:t>i</m:t>
+                          <a:rPr lang="fr-FR" sz="2400" i="1">
+                            <a:latin typeface="Cambria Math" panose="02040503050406030204" pitchFamily="18" charset="0"/>
+                          </a:rPr>
+                          <m:t>𝑖</m:t>
                         </m:r>
                       </m:e>
                     </m:d>
@@ -7700,13 +7673,10 @@
                           <m:t> </m:t>
                         </m:r>
                         <m:r>
-                          <m:rPr>
-                            <m:sty m:val="p"/>
-                          </m:rPr>
                           <a:rPr lang="el-GR" sz="2400" i="1">
                             <a:latin typeface="Cambria Math" panose="02040503050406030204" pitchFamily="18" charset="0"/>
                           </a:rPr>
-                          <m:t>ϵ</m:t>
+                          <m:t>𝜖</m:t>
                         </m:r>
                         <m:r>
                           <a:rPr lang="fr-FR" sz="2400" i="1">
@@ -7744,13 +7714,10 @@
                           </m:e>
                           <m:sub>
                             <m:r>
-                              <m:rPr>
-                                <m:sty m:val="p"/>
-                              </m:rPr>
                               <a:rPr lang="el-GR" sz="2400" i="1">
                                 <a:latin typeface="Cambria Math" panose="02040503050406030204" pitchFamily="18" charset="0"/>
                               </a:rPr>
-                              <m:t>α</m:t>
+                              <m:t>𝛼</m:t>
                             </m:r>
                           </m:sub>
                         </m:sSub>
@@ -7794,13 +7761,10 @@
                           <m:t>𝑢</m:t>
                         </m:r>
                         <m:r>
-                          <m:rPr>
-                            <m:sty m:val="p"/>
-                          </m:rPr>
                           <a:rPr lang="el-GR" sz="2400" i="1">
                             <a:latin typeface="Cambria Math" panose="02040503050406030204" pitchFamily="18" charset="0"/>
                           </a:rPr>
-                          <m:t>α</m:t>
+                          <m:t>𝛼</m:t>
                         </m:r>
                         <m:r>
                           <a:rPr lang="fr-FR" sz="2400" i="1">
@@ -7976,10 +7940,16 @@
                   </m:oMath>
                 </a14:m>
                 <a:r>
+                  <a:rPr lang="en-GB" sz="2400">
+                    <a:latin typeface="Avenir Book"/>
+                  </a:rPr>
+                  <a:t>=0.5</a:t>
+                </a:r>
+                <a:r>
                   <a:rPr lang="en-GB" sz="2400" dirty="0">
                     <a:latin typeface="Avenir Book"/>
                   </a:rPr>
-                  <a:t>=0.05;</a:t>
+                  <a:t>;</a:t>
                 </a:r>
               </a:p>
               <a:p>
